--- a/ProjectWork/COMP247-TEAM3-BICYCLETHEFT.pptx
+++ b/ProjectWork/COMP247-TEAM3-BICYCLETHEFT.pptx
@@ -4720,7 +4720,7 @@
         <p:spPr>
           <a:xfrm>
             <a:off x="614718" y="4581664"/>
-            <a:ext cx="6096000" cy="1477328"/>
+            <a:ext cx="6096000" cy="1754326"/>
           </a:xfrm>
           <a:prstGeom prst="rect">
             <a:avLst/>
@@ -4744,7 +4744,7 @@
           <a:p>
             <a:r>
               <a:rPr lang="en-CA" sz="1800" dirty="0"/>
-              <a:t>Distribution consistent with the </a:t>
+              <a:t>Distribution consistent with the findings in distribution of thefts by month</a:t>
             </a:r>
           </a:p>
         </p:txBody>
@@ -5805,7 +5805,7 @@
           <a:p>
             <a:r>
               <a:rPr lang="en-CA" sz="1800" dirty="0"/>
-              <a:t>Clear patches showcase clusters of high cost bicycles been stolen in certain areas</a:t>
+              <a:t>Clear patches showcase clusters of high cost bicycles been stolen in particular areas</a:t>
             </a:r>
           </a:p>
         </p:txBody>
@@ -9362,7 +9362,7 @@
           <a:p>
             <a:r>
               <a:rPr lang="en-US" sz="2200" dirty="0"/>
-              <a:t>Initial correlation analysis doesn’t reveal anything particularly useful besides correlation between Occurrence and Report variables, and between Geolocation variables</a:t>
+              <a:t>Initial correlation analysis does not reveal anything particularly useful besides correlation between Occurrence and Report variables, and between Geolocation variables</a:t>
             </a:r>
           </a:p>
           <a:p>
@@ -9463,7 +9463,7 @@
         </p:blipFill>
         <p:spPr>
           <a:xfrm>
-            <a:off x="5616852" y="48239"/>
+            <a:off x="5114408" y="0"/>
             <a:ext cx="6541988" cy="6858000"/>
           </a:xfrm>
           <a:prstGeom prst="rect">
@@ -9808,7 +9808,7 @@
         </p:nvSpPr>
         <p:spPr>
           <a:xfrm>
-            <a:off x="2714134" y="1305341"/>
+            <a:off x="2416954" y="1147971"/>
             <a:ext cx="2822308" cy="5355312"/>
           </a:xfrm>
           <a:prstGeom prst="rect">
@@ -10028,7 +10028,7 @@
         <p:spPr>
           <a:xfrm>
             <a:off x="838200" y="1793780"/>
-            <a:ext cx="10515600" cy="2800767"/>
+            <a:ext cx="10515600" cy="4154984"/>
           </a:xfrm>
           <a:prstGeom prst="rect">
             <a:avLst/>
@@ -10077,9 +10077,20 @@
             <a:endParaRPr lang="en-US" sz="2200" dirty="0"/>
           </a:p>
           <a:p>
+            <a:endParaRPr lang="en-US" sz="2200" dirty="0"/>
+          </a:p>
+          <a:p>
             <a:r>
               <a:rPr lang="en-US" sz="2200" dirty="0"/>
-              <a:t>Would be candidates to be removed.</a:t>
+              <a:t>would be </a:t>
+            </a:r>
+            <a:r>
+              <a:rPr lang="en-US" sz="2200" b="1" dirty="0"/>
+              <a:t>candidates to be removed</a:t>
+            </a:r>
+            <a:r>
+              <a:rPr lang="en-US" sz="2200" dirty="0"/>
+              <a:t>.</a:t>
             </a:r>
           </a:p>
           <a:p>
@@ -10088,25 +10099,54 @@
           <a:p>
             <a:r>
               <a:rPr lang="en-US" sz="2200" dirty="0"/>
-              <a:t>After feature selection with Select K Best, the best features were identified as:</a:t>
-            </a:r>
-          </a:p>
-          <a:p>
+              <a:t>After feature selection with Decision Tree, the </a:t>
+            </a:r>
+            <a:r>
+              <a:rPr lang="en-US" sz="2200" b="1" dirty="0"/>
+              <a:t>best features</a:t>
+            </a:r>
+            <a:r>
+              <a:rPr lang="en-US" sz="2200" dirty="0"/>
+              <a:t> were identified as:</a:t>
+            </a:r>
+          </a:p>
+          <a:p>
+            <a:endParaRPr lang="en-US" sz="2200" dirty="0"/>
+          </a:p>
+          <a:p>
+            <a:r>
+              <a:rPr lang="en-US" sz="2200" dirty="0"/>
+              <a:t>'</a:t>
+            </a:r>
             <a:r>
               <a:rPr lang="en-US" sz="2200" dirty="0" err="1"/>
               <a:t>Primary_Offence</a:t>
             </a:r>
             <a:r>
               <a:rPr lang="en-US" sz="2200" dirty="0"/>
-              <a:t>, </a:t>
+              <a:t>', '</a:t>
             </a:r>
             <a:r>
               <a:rPr lang="en-US" sz="2200" dirty="0" err="1"/>
-              <a:t>Occurence_DayOfYear</a:t>
+              <a:t>Occurrence_Date</a:t>
             </a:r>
             <a:r>
               <a:rPr lang="en-US" sz="2200" dirty="0"/>
-              <a:t>, </a:t>
+              <a:t>', '</a:t>
+            </a:r>
+            <a:r>
+              <a:rPr lang="en-US" sz="2200" dirty="0" err="1"/>
+              <a:t>Occurrence_DayOfMonth</a:t>
+            </a:r>
+            <a:r>
+              <a:rPr lang="en-US" sz="2200" dirty="0"/>
+              <a:t>',</a:t>
+            </a:r>
+          </a:p>
+          <a:p>
+            <a:r>
+              <a:rPr lang="en-US" sz="2200" dirty="0"/>
+              <a:t>       '</a:t>
             </a:r>
             <a:r>
               <a:rPr lang="en-US" sz="2200" dirty="0" err="1"/>
@@ -10114,31 +10154,53 @@
             </a:r>
             <a:r>
               <a:rPr lang="en-US" sz="2200" dirty="0"/>
-              <a:t>, </a:t>
+              <a:t>', '</a:t>
             </a:r>
             <a:r>
               <a:rPr lang="en-US" sz="2200" dirty="0" err="1"/>
-              <a:t>Report_DateOfYear</a:t>
+              <a:t>Report_DayOfMonth</a:t>
             </a:r>
             <a:r>
               <a:rPr lang="en-US" sz="2200" dirty="0"/>
-              <a:t>, </a:t>
+              <a:t>', '</a:t>
             </a:r>
             <a:r>
               <a:rPr lang="en-US" sz="2200" dirty="0" err="1"/>
-              <a:t>hoodID</a:t>
+              <a:t>Report_DayOfYear</a:t>
             </a:r>
             <a:r>
               <a:rPr lang="en-US" sz="2200" dirty="0"/>
-              <a:t>, </a:t>
+              <a:t>', '</a:t>
             </a:r>
             <a:r>
               <a:rPr lang="en-US" sz="2200" dirty="0" err="1"/>
-              <a:t>Bike_Make</a:t>
+              <a:t>Report_Hour</a:t>
             </a:r>
             <a:r>
               <a:rPr lang="en-US" sz="2200" dirty="0"/>
-              <a:t>, </a:t>
+              <a:t>',</a:t>
+            </a:r>
+          </a:p>
+          <a:p>
+            <a:r>
+              <a:rPr lang="en-US" sz="2200" dirty="0"/>
+              <a:t>       '</a:t>
+            </a:r>
+            <a:r>
+              <a:rPr lang="en-US" sz="2200" dirty="0" err="1"/>
+              <a:t>NeighbourhoodName</a:t>
+            </a:r>
+            <a:r>
+              <a:rPr lang="en-US" sz="2200" dirty="0"/>
+              <a:t>', '</a:t>
+            </a:r>
+            <a:r>
+              <a:rPr lang="en-US" sz="2200" dirty="0" err="1"/>
+              <a:t>Location_Type</a:t>
+            </a:r>
+            <a:r>
+              <a:rPr lang="en-US" sz="2200" dirty="0"/>
+              <a:t>', '</a:t>
             </a:r>
             <a:r>
               <a:rPr lang="en-US" sz="2200" dirty="0" err="1"/>
@@ -10146,15 +10208,29 @@
             </a:r>
             <a:r>
               <a:rPr lang="en-US" sz="2200" dirty="0"/>
-              <a:t>, </a:t>
+              <a:t>', '</a:t>
             </a:r>
             <a:r>
               <a:rPr lang="en-US" sz="2200" dirty="0" err="1"/>
-              <a:t>Cost_Of_Bike</a:t>
+              <a:t>Bike_Speed</a:t>
             </a:r>
             <a:r>
               <a:rPr lang="en-US" sz="2200" dirty="0"/>
-              <a:t>, Longitude, Latitude</a:t>
+              <a:t>',</a:t>
+            </a:r>
+          </a:p>
+          <a:p>
+            <a:r>
+              <a:rPr lang="en-US" sz="2200" dirty="0"/>
+              <a:t>       '</a:t>
+            </a:r>
+            <a:r>
+              <a:rPr lang="en-US" sz="2200" dirty="0" err="1"/>
+              <a:t>Cost_of_Bike</a:t>
+            </a:r>
+            <a:r>
+              <a:rPr lang="en-US" sz="2200" dirty="0"/>
+              <a:t>', 'Longitude', 'Latitude'</a:t>
             </a:r>
             <a:endParaRPr lang="en-CA" sz="2200" dirty="0"/>
           </a:p>
@@ -11022,7 +11098,7 @@
             </a:r>
             <a:r>
               <a:rPr lang="en-US" sz="2200" dirty="0"/>
-              <a:t>                 121	(categorical)</a:t>
+              <a:t>                 121 	(0.47%)		(categorical)</a:t>
             </a:r>
           </a:p>
           <a:p>
@@ -11032,7 +11108,7 @@
             </a:r>
             <a:r>
               <a:rPr lang="en-US" sz="2200" dirty="0"/>
-              <a:t>               9646	(categorical)</a:t>
+              <a:t>               9646	(37.72%)	(categorical)</a:t>
             </a:r>
           </a:p>
           <a:p>
@@ -11042,7 +11118,7 @@
             </a:r>
             <a:r>
               <a:rPr lang="en-US" sz="2200" dirty="0"/>
-              <a:t>              2061	(categorical)</a:t>
+              <a:t>              2061	(8.06%)		(categorical)</a:t>
             </a:r>
           </a:p>
           <a:p>
@@ -11052,7 +11128,7 @@
             </a:r>
             <a:r>
               <a:rPr lang="en-US" sz="2200" dirty="0"/>
-              <a:t>             1744	(numerical)</a:t>
+              <a:t>             1744	(6.82%)		(numerical)</a:t>
             </a:r>
           </a:p>
         </p:txBody>
